--- a/Figures/Niwot/combo_edits.pptx
+++ b/Figures/Niwot/combo_edits.pptx
@@ -270,7 +270,7 @@
           <a:p>
             <a:fld id="{D0430AAF-1F30-4EDE-8277-1D3F63129C92}" type="datetimeFigureOut">
               <a:rPr lang="en-US" smtClean="0"/>
-              <a:t>6/10/2024</a:t>
+              <a:t>8/28/2024</a:t>
             </a:fld>
             <a:endParaRPr lang="en-US"/>
           </a:p>
@@ -468,7 +468,7 @@
           <a:p>
             <a:fld id="{D0430AAF-1F30-4EDE-8277-1D3F63129C92}" type="datetimeFigureOut">
               <a:rPr lang="en-US" smtClean="0"/>
-              <a:t>6/10/2024</a:t>
+              <a:t>8/28/2024</a:t>
             </a:fld>
             <a:endParaRPr lang="en-US"/>
           </a:p>
@@ -676,7 +676,7 @@
           <a:p>
             <a:fld id="{D0430AAF-1F30-4EDE-8277-1D3F63129C92}" type="datetimeFigureOut">
               <a:rPr lang="en-US" smtClean="0"/>
-              <a:t>6/10/2024</a:t>
+              <a:t>8/28/2024</a:t>
             </a:fld>
             <a:endParaRPr lang="en-US"/>
           </a:p>
@@ -874,7 +874,7 @@
           <a:p>
             <a:fld id="{D0430AAF-1F30-4EDE-8277-1D3F63129C92}" type="datetimeFigureOut">
               <a:rPr lang="en-US" smtClean="0"/>
-              <a:t>6/10/2024</a:t>
+              <a:t>8/28/2024</a:t>
             </a:fld>
             <a:endParaRPr lang="en-US"/>
           </a:p>
@@ -1149,7 +1149,7 @@
           <a:p>
             <a:fld id="{D0430AAF-1F30-4EDE-8277-1D3F63129C92}" type="datetimeFigureOut">
               <a:rPr lang="en-US" smtClean="0"/>
-              <a:t>6/10/2024</a:t>
+              <a:t>8/28/2024</a:t>
             </a:fld>
             <a:endParaRPr lang="en-US"/>
           </a:p>
@@ -1414,7 +1414,7 @@
           <a:p>
             <a:fld id="{D0430AAF-1F30-4EDE-8277-1D3F63129C92}" type="datetimeFigureOut">
               <a:rPr lang="en-US" smtClean="0"/>
-              <a:t>6/10/2024</a:t>
+              <a:t>8/28/2024</a:t>
             </a:fld>
             <a:endParaRPr lang="en-US"/>
           </a:p>
@@ -1826,7 +1826,7 @@
           <a:p>
             <a:fld id="{D0430AAF-1F30-4EDE-8277-1D3F63129C92}" type="datetimeFigureOut">
               <a:rPr lang="en-US" smtClean="0"/>
-              <a:t>6/10/2024</a:t>
+              <a:t>8/28/2024</a:t>
             </a:fld>
             <a:endParaRPr lang="en-US"/>
           </a:p>
@@ -1967,7 +1967,7 @@
           <a:p>
             <a:fld id="{D0430AAF-1F30-4EDE-8277-1D3F63129C92}" type="datetimeFigureOut">
               <a:rPr lang="en-US" smtClean="0"/>
-              <a:t>6/10/2024</a:t>
+              <a:t>8/28/2024</a:t>
             </a:fld>
             <a:endParaRPr lang="en-US"/>
           </a:p>
@@ -2080,7 +2080,7 @@
           <a:p>
             <a:fld id="{D0430AAF-1F30-4EDE-8277-1D3F63129C92}" type="datetimeFigureOut">
               <a:rPr lang="en-US" smtClean="0"/>
-              <a:t>6/10/2024</a:t>
+              <a:t>8/28/2024</a:t>
             </a:fld>
             <a:endParaRPr lang="en-US"/>
           </a:p>
@@ -2391,7 +2391,7 @@
           <a:p>
             <a:fld id="{D0430AAF-1F30-4EDE-8277-1D3F63129C92}" type="datetimeFigureOut">
               <a:rPr lang="en-US" smtClean="0"/>
-              <a:t>6/10/2024</a:t>
+              <a:t>8/28/2024</a:t>
             </a:fld>
             <a:endParaRPr lang="en-US"/>
           </a:p>
@@ -2679,7 +2679,7 @@
           <a:p>
             <a:fld id="{D0430AAF-1F30-4EDE-8277-1D3F63129C92}" type="datetimeFigureOut">
               <a:rPr lang="en-US" smtClean="0"/>
-              <a:t>6/10/2024</a:t>
+              <a:t>8/28/2024</a:t>
             </a:fld>
             <a:endParaRPr lang="en-US"/>
           </a:p>
@@ -2920,7 +2920,7 @@
           <a:p>
             <a:fld id="{D0430AAF-1F30-4EDE-8277-1D3F63129C92}" type="datetimeFigureOut">
               <a:rPr lang="en-US" smtClean="0"/>
-              <a:t>6/10/2024</a:t>
+              <a:t>8/28/2024</a:t>
             </a:fld>
             <a:endParaRPr lang="en-US"/>
           </a:p>
@@ -3339,10 +3339,10 @@
       </p:grpSpPr>
       <p:grpSp>
         <p:nvGrpSpPr>
-          <p:cNvPr id="4" name="Group 3">
-            <a:extLst>
-              <a:ext uri="{FF2B5EF4-FFF2-40B4-BE49-F238E27FC236}">
-                <a16:creationId xmlns:a16="http://schemas.microsoft.com/office/drawing/2014/main" id="{36910789-8810-1612-28AC-6ED3304C7F33}"/>
+          <p:cNvPr id="13" name="Group 12">
+            <a:extLst>
+              <a:ext uri="{FF2B5EF4-FFF2-40B4-BE49-F238E27FC236}">
+                <a16:creationId xmlns:a16="http://schemas.microsoft.com/office/drawing/2014/main" id="{EE99CC43-88AE-0765-EE73-83AA73DEDF9B}"/>
               </a:ext>
             </a:extLst>
           </p:cNvPr>
@@ -3351,18 +3351,18 @@
         </p:nvGrpSpPr>
         <p:grpSpPr>
           <a:xfrm>
-            <a:off x="-61546" y="-323174"/>
-            <a:ext cx="7519765" cy="6931726"/>
-            <a:chOff x="-504606" y="-144064"/>
-            <a:chExt cx="7519765" cy="6931726"/>
+            <a:off x="1963317" y="141402"/>
+            <a:ext cx="6853287" cy="6183984"/>
+            <a:chOff x="696591" y="216816"/>
+            <a:chExt cx="6853287" cy="6183984"/>
           </a:xfrm>
         </p:grpSpPr>
         <p:grpSp>
           <p:nvGrpSpPr>
-            <p:cNvPr id="12" name="Group 11">
+            <p:cNvPr id="9" name="Group 8">
               <a:extLst>
                 <a:ext uri="{FF2B5EF4-FFF2-40B4-BE49-F238E27FC236}">
-                  <a16:creationId xmlns:a16="http://schemas.microsoft.com/office/drawing/2014/main" id="{15C8F68C-34E3-A08E-0411-BA7C7E893148}"/>
+                  <a16:creationId xmlns:a16="http://schemas.microsoft.com/office/drawing/2014/main" id="{A182F98E-4C3D-E31F-984F-E13651494F09}"/>
                 </a:ext>
               </a:extLst>
             </p:cNvPr>
@@ -3371,199 +3371,345 @@
           </p:nvGrpSpPr>
           <p:grpSpPr>
             <a:xfrm>
-              <a:off x="-504606" y="-144064"/>
-              <a:ext cx="7519765" cy="6931726"/>
-              <a:chOff x="-504606" y="-144064"/>
-              <a:chExt cx="7519765" cy="6931726"/>
+              <a:off x="696591" y="216816"/>
+              <a:ext cx="6853287" cy="6183984"/>
+              <a:chOff x="1329264" y="137685"/>
+              <a:chExt cx="6853287" cy="6183984"/>
             </a:xfrm>
           </p:grpSpPr>
-          <p:pic>
-            <p:nvPicPr>
-              <p:cNvPr id="5" name="Picture 4">
+          <p:grpSp>
+            <p:nvGrpSpPr>
+              <p:cNvPr id="4" name="Group 3">
                 <a:extLst>
                   <a:ext uri="{FF2B5EF4-FFF2-40B4-BE49-F238E27FC236}">
-                    <a16:creationId xmlns:a16="http://schemas.microsoft.com/office/drawing/2014/main" id="{255D262A-AFC2-51DE-EC34-61C4487DD97D}"/>
+                    <a16:creationId xmlns:a16="http://schemas.microsoft.com/office/drawing/2014/main" id="{36910789-8810-1612-28AC-6ED3304C7F33}"/>
                   </a:ext>
                 </a:extLst>
               </p:cNvPr>
-              <p:cNvPicPr>
-                <a:picLocks noChangeAspect="1"/>
-              </p:cNvPicPr>
+              <p:cNvGrpSpPr/>
               <p:nvPr/>
-            </p:nvPicPr>
-            <p:blipFill rotWithShape="1">
-              <a:blip r:embed="rId2">
-                <a:clrChange>
-                  <a:clrFrom>
-                    <a:srgbClr val="FFFFFF"/>
-                  </a:clrFrom>
-                  <a:clrTo>
-                    <a:srgbClr val="FFFFFF">
-                      <a:alpha val="0"/>
-                    </a:srgbClr>
-                  </a:clrTo>
-                </a:clrChange>
+            </p:nvGrpSpPr>
+            <p:grpSpPr>
+              <a:xfrm>
+                <a:off x="1329264" y="137685"/>
+                <a:ext cx="6853287" cy="6183984"/>
+                <a:chOff x="-537242" y="183975"/>
+                <a:chExt cx="6853287" cy="6183984"/>
+              </a:xfrm>
+            </p:grpSpPr>
+            <p:grpSp>
+              <p:nvGrpSpPr>
+                <p:cNvPr id="12" name="Group 11">
+                  <a:extLst>
+                    <a:ext uri="{FF2B5EF4-FFF2-40B4-BE49-F238E27FC236}">
+                      <a16:creationId xmlns:a16="http://schemas.microsoft.com/office/drawing/2014/main" id="{15C8F68C-34E3-A08E-0411-BA7C7E893148}"/>
+                    </a:ext>
+                  </a:extLst>
+                </p:cNvPr>
+                <p:cNvGrpSpPr/>
+                <p:nvPr/>
+              </p:nvGrpSpPr>
+              <p:grpSpPr>
+                <a:xfrm>
+                  <a:off x="-537242" y="183975"/>
+                  <a:ext cx="6853287" cy="6183984"/>
+                  <a:chOff x="-537242" y="183975"/>
+                  <a:chExt cx="6853287" cy="6183984"/>
+                </a:xfrm>
+              </p:grpSpPr>
+              <p:pic>
+                <p:nvPicPr>
+                  <p:cNvPr id="5" name="Picture 4">
+                    <a:extLst>
+                      <a:ext uri="{FF2B5EF4-FFF2-40B4-BE49-F238E27FC236}">
+                        <a16:creationId xmlns:a16="http://schemas.microsoft.com/office/drawing/2014/main" id="{255D262A-AFC2-51DE-EC34-61C4487DD97D}"/>
+                      </a:ext>
+                    </a:extLst>
+                  </p:cNvPr>
+                  <p:cNvPicPr>
+                    <a:picLocks noChangeAspect="1"/>
+                  </p:cNvPicPr>
+                  <p:nvPr/>
+                </p:nvPicPr>
+                <p:blipFill rotWithShape="1">
+                  <a:blip r:embed="rId2">
+                    <a:extLst>
+                      <a:ext uri="{28A0092B-C50C-407E-A947-70E740481C1C}">
+                        <a14:useLocalDpi xmlns:a14="http://schemas.microsoft.com/office/drawing/2010/main" val="0"/>
+                      </a:ext>
+                    </a:extLst>
+                  </a:blip>
+                  <a:srcRect l="935" t="1919" r="18812" b="3291"/>
+                  <a:stretch/>
+                </p:blipFill>
+                <p:spPr>
+                  <a:xfrm>
+                    <a:off x="-537242" y="183975"/>
+                    <a:ext cx="6853287" cy="6183984"/>
+                  </a:xfrm>
+                  <a:prstGeom prst="rect">
+                    <a:avLst/>
+                  </a:prstGeom>
+                </p:spPr>
+              </p:pic>
+              <p:pic>
+                <p:nvPicPr>
+                  <p:cNvPr id="7" name="Picture 6" descr="A screenshot of a graph&#10;&#10;Description automatically generated">
+                    <a:extLst>
+                      <a:ext uri="{FF2B5EF4-FFF2-40B4-BE49-F238E27FC236}">
+                        <a16:creationId xmlns:a16="http://schemas.microsoft.com/office/drawing/2014/main" id="{9AC79BAE-0BA8-160D-389A-E0EF22580BBD}"/>
+                      </a:ext>
+                    </a:extLst>
+                  </p:cNvPr>
+                  <p:cNvPicPr>
+                    <a:picLocks noChangeAspect="1"/>
+                  </p:cNvPicPr>
+                  <p:nvPr/>
+                </p:nvPicPr>
+                <p:blipFill rotWithShape="1">
+                  <a:blip r:embed="rId3">
+                    <a:clrChange>
+                      <a:clrFrom>
+                        <a:srgbClr val="FFFFFF"/>
+                      </a:clrFrom>
+                      <a:clrTo>
+                        <a:srgbClr val="FFFFFF">
+                          <a:alpha val="0"/>
+                        </a:srgbClr>
+                      </a:clrTo>
+                    </a:clrChange>
+                    <a:extLst>
+                      <a:ext uri="{28A0092B-C50C-407E-A947-70E740481C1C}">
+                        <a14:useLocalDpi xmlns:a14="http://schemas.microsoft.com/office/drawing/2010/main" val="0"/>
+                      </a:ext>
+                    </a:extLst>
+                  </a:blip>
+                  <a:srcRect l="81292" t="61381" b="25589"/>
+                  <a:stretch/>
+                </p:blipFill>
+                <p:spPr>
+                  <a:xfrm>
+                    <a:off x="3322334" y="4245208"/>
+                    <a:ext cx="1716832" cy="914416"/>
+                  </a:xfrm>
+                  <a:prstGeom prst="rect">
+                    <a:avLst/>
+                  </a:prstGeom>
+                </p:spPr>
+              </p:pic>
+              <p:pic>
+                <p:nvPicPr>
+                  <p:cNvPr id="10" name="Picture 9" descr="A screenshot of a graph&#10;&#10;Description automatically generated">
+                    <a:extLst>
+                      <a:ext uri="{FF2B5EF4-FFF2-40B4-BE49-F238E27FC236}">
+                        <a16:creationId xmlns:a16="http://schemas.microsoft.com/office/drawing/2014/main" id="{2D14945B-B840-5B5C-B32C-5EE901A4B2FE}"/>
+                      </a:ext>
+                    </a:extLst>
+                  </p:cNvPr>
+                  <p:cNvPicPr>
+                    <a:picLocks noChangeAspect="1"/>
+                  </p:cNvPicPr>
+                  <p:nvPr/>
+                </p:nvPicPr>
+                <p:blipFill rotWithShape="1">
+                  <a:blip r:embed="rId4">
+                    <a:clrChange>
+                      <a:clrFrom>
+                        <a:srgbClr val="FFFFFF"/>
+                      </a:clrFrom>
+                      <a:clrTo>
+                        <a:srgbClr val="FFFFFF">
+                          <a:alpha val="0"/>
+                        </a:srgbClr>
+                      </a:clrTo>
+                    </a:clrChange>
+                    <a:extLst>
+                      <a:ext uri="{28A0092B-C50C-407E-A947-70E740481C1C}">
+                        <a14:useLocalDpi xmlns:a14="http://schemas.microsoft.com/office/drawing/2010/main" val="0"/>
+                      </a:ext>
+                    </a:extLst>
+                  </a:blip>
+                  <a:srcRect l="82573" t="42805" r="3982" b="44950"/>
+                  <a:stretch/>
+                </p:blipFill>
+                <p:spPr>
+                  <a:xfrm>
+                    <a:off x="4884558" y="4200578"/>
+                    <a:ext cx="1313006" cy="914416"/>
+                  </a:xfrm>
+                  <a:prstGeom prst="rect">
+                    <a:avLst/>
+                  </a:prstGeom>
+                </p:spPr>
+              </p:pic>
+              <p:pic>
+                <p:nvPicPr>
+                  <p:cNvPr id="11" name="Picture 10" descr="A screenshot of a graph&#10;&#10;Description automatically generated">
+                    <a:extLst>
+                      <a:ext uri="{FF2B5EF4-FFF2-40B4-BE49-F238E27FC236}">
+                        <a16:creationId xmlns:a16="http://schemas.microsoft.com/office/drawing/2014/main" id="{B1F70AF6-1CE2-21F9-F5A5-F2CAEC8E787D}"/>
+                      </a:ext>
+                    </a:extLst>
+                  </p:cNvPr>
+                  <p:cNvPicPr>
+                    <a:picLocks noChangeAspect="1"/>
+                  </p:cNvPicPr>
+                  <p:nvPr/>
+                </p:nvPicPr>
+                <p:blipFill rotWithShape="1">
+                  <a:blip r:embed="rId5">
+                    <a:clrChange>
+                      <a:clrFrom>
+                        <a:srgbClr val="FFFFFF"/>
+                      </a:clrFrom>
+                      <a:clrTo>
+                        <a:srgbClr val="FFFFFF">
+                          <a:alpha val="0"/>
+                        </a:srgbClr>
+                      </a:clrTo>
+                    </a:clrChange>
+                    <a:extLst>
+                      <a:ext uri="{28A0092B-C50C-407E-A947-70E740481C1C}">
+                        <a14:useLocalDpi xmlns:a14="http://schemas.microsoft.com/office/drawing/2010/main" val="0"/>
+                      </a:ext>
+                    </a:extLst>
+                  </a:blip>
+                  <a:srcRect l="82293" t="26532" r="7023" b="64677"/>
+                  <a:stretch/>
+                </p:blipFill>
+                <p:spPr>
+                  <a:xfrm>
+                    <a:off x="152750" y="3797202"/>
+                    <a:ext cx="1071474" cy="674188"/>
+                  </a:xfrm>
+                  <a:prstGeom prst="rect">
+                    <a:avLst/>
+                  </a:prstGeom>
+                </p:spPr>
+              </p:pic>
+            </p:grpSp>
+            <p:sp>
+              <p:nvSpPr>
+                <p:cNvPr id="2" name="TextBox 1">
+                  <a:extLst>
+                    <a:ext uri="{FF2B5EF4-FFF2-40B4-BE49-F238E27FC236}">
+                      <a16:creationId xmlns:a16="http://schemas.microsoft.com/office/drawing/2014/main" id="{BC3ECBC2-BE28-5864-488D-AD88A33C462D}"/>
+                    </a:ext>
+                  </a:extLst>
+                </p:cNvPr>
+                <p:cNvSpPr txBox="1"/>
+                <p:nvPr/>
+              </p:nvSpPr>
+              <p:spPr>
+                <a:xfrm>
+                  <a:off x="889023" y="3929759"/>
+                  <a:ext cx="609600" cy="261610"/>
+                </a:xfrm>
+                <a:prstGeom prst="rect">
+                  <a:avLst/>
+                </a:prstGeom>
+                <a:noFill/>
+              </p:spPr>
+              <p:txBody>
+                <a:bodyPr wrap="square" rtlCol="0">
+                  <a:spAutoFit/>
+                </a:bodyPr>
+                <a:lstStyle/>
+                <a:p>
+                  <a:r>
+                    <a:rPr lang="en-US" sz="1100" dirty="0">
+                      <a:latin typeface="Times New Roman" panose="02020603050405020304" pitchFamily="18" charset="0"/>
+                      <a:cs typeface="Times New Roman" panose="02020603050405020304" pitchFamily="18" charset="0"/>
+                    </a:rPr>
+                    <a:t>2011</a:t>
+                  </a:r>
+                </a:p>
+              </p:txBody>
+            </p:sp>
+            <p:sp>
+              <p:nvSpPr>
+                <p:cNvPr id="3" name="TextBox 2">
+                  <a:extLst>
+                    <a:ext uri="{FF2B5EF4-FFF2-40B4-BE49-F238E27FC236}">
+                      <a16:creationId xmlns:a16="http://schemas.microsoft.com/office/drawing/2014/main" id="{D2C9EABC-748E-C26C-6D21-6EDA2722F903}"/>
+                    </a:ext>
+                  </a:extLst>
+                </p:cNvPr>
+                <p:cNvSpPr txBox="1"/>
+                <p:nvPr/>
+              </p:nvSpPr>
+              <p:spPr>
+                <a:xfrm>
+                  <a:off x="851357" y="4200578"/>
+                  <a:ext cx="609600" cy="261610"/>
+                </a:xfrm>
+                <a:prstGeom prst="rect">
+                  <a:avLst/>
+                </a:prstGeom>
+                <a:noFill/>
+              </p:spPr>
+              <p:txBody>
+                <a:bodyPr wrap="square" rtlCol="0">
+                  <a:spAutoFit/>
+                </a:bodyPr>
+                <a:lstStyle/>
+                <a:p>
+                  <a:r>
+                    <a:rPr lang="en-US" sz="1100" dirty="0">
+                      <a:latin typeface="Times New Roman" panose="02020603050405020304" pitchFamily="18" charset="0"/>
+                      <a:cs typeface="Times New Roman" panose="02020603050405020304" pitchFamily="18" charset="0"/>
+                    </a:rPr>
+                    <a:t>1991</a:t>
+                  </a:r>
+                </a:p>
+              </p:txBody>
+            </p:sp>
+          </p:grpSp>
+          <p:sp>
+            <p:nvSpPr>
+              <p:cNvPr id="8" name="TextBox 7">
                 <a:extLst>
-                  <a:ext uri="{28A0092B-C50C-407E-A947-70E740481C1C}">
-                    <a14:useLocalDpi xmlns:a14="http://schemas.microsoft.com/office/drawing/2010/main" val="0"/>
+                  <a:ext uri="{FF2B5EF4-FFF2-40B4-BE49-F238E27FC236}">
+                    <a16:creationId xmlns:a16="http://schemas.microsoft.com/office/drawing/2014/main" id="{D4DF6697-9646-C992-5C56-60D0EE749F88}"/>
                   </a:ext>
                 </a:extLst>
-              </a:blip>
-              <a:srcRect l="-1355" t="-4111" r="18197" b="4111"/>
-              <a:stretch/>
-            </p:blipFill>
+              </p:cNvPr>
+              <p:cNvSpPr txBox="1"/>
+              <p:nvPr/>
+            </p:nvSpPr>
             <p:spPr>
               <a:xfrm>
-                <a:off x="-504606" y="-144064"/>
-                <a:ext cx="7519765" cy="6931726"/>
+                <a:off x="7407567" y="4759749"/>
+                <a:ext cx="609600" cy="261610"/>
               </a:xfrm>
               <a:prstGeom prst="rect">
                 <a:avLst/>
               </a:prstGeom>
+              <a:noFill/>
             </p:spPr>
-          </p:pic>
-          <p:pic>
-            <p:nvPicPr>
-              <p:cNvPr id="7" name="Picture 6" descr="A screenshot of a graph&#10;&#10;Description automatically generated">
-                <a:extLst>
-                  <a:ext uri="{FF2B5EF4-FFF2-40B4-BE49-F238E27FC236}">
-                    <a16:creationId xmlns:a16="http://schemas.microsoft.com/office/drawing/2014/main" id="{9AC79BAE-0BA8-160D-389A-E0EF22580BBD}"/>
-                  </a:ext>
-                </a:extLst>
-              </p:cNvPr>
-              <p:cNvPicPr>
-                <a:picLocks noChangeAspect="1"/>
-              </p:cNvPicPr>
-              <p:nvPr/>
-            </p:nvPicPr>
-            <p:blipFill rotWithShape="1">
-              <a:blip r:embed="rId3">
-                <a:clrChange>
-                  <a:clrFrom>
-                    <a:srgbClr val="FFFFFF"/>
-                  </a:clrFrom>
-                  <a:clrTo>
-                    <a:srgbClr val="FFFFFF">
-                      <a:alpha val="0"/>
-                    </a:srgbClr>
-                  </a:clrTo>
-                </a:clrChange>
-                <a:extLst>
-                  <a:ext uri="{28A0092B-C50C-407E-A947-70E740481C1C}">
-                    <a14:useLocalDpi xmlns:a14="http://schemas.microsoft.com/office/drawing/2010/main" val="0"/>
-                  </a:ext>
-                </a:extLst>
-              </a:blip>
-              <a:srcRect l="81292" t="61381" b="25589"/>
-              <a:stretch/>
-            </p:blipFill>
-            <p:spPr>
-              <a:xfrm>
-                <a:off x="3820953" y="3721718"/>
-                <a:ext cx="1716832" cy="914416"/>
-              </a:xfrm>
-              <a:prstGeom prst="rect">
-                <a:avLst/>
-              </a:prstGeom>
-            </p:spPr>
-          </p:pic>
-          <p:pic>
-            <p:nvPicPr>
-              <p:cNvPr id="10" name="Picture 9" descr="A screenshot of a graph&#10;&#10;Description automatically generated">
-                <a:extLst>
-                  <a:ext uri="{FF2B5EF4-FFF2-40B4-BE49-F238E27FC236}">
-                    <a16:creationId xmlns:a16="http://schemas.microsoft.com/office/drawing/2014/main" id="{2D14945B-B840-5B5C-B32C-5EE901A4B2FE}"/>
-                  </a:ext>
-                </a:extLst>
-              </p:cNvPr>
-              <p:cNvPicPr>
-                <a:picLocks noChangeAspect="1"/>
-              </p:cNvPicPr>
-              <p:nvPr/>
-            </p:nvPicPr>
-            <p:blipFill rotWithShape="1">
-              <a:blip r:embed="rId4">
-                <a:clrChange>
-                  <a:clrFrom>
-                    <a:srgbClr val="FFFFFF"/>
-                  </a:clrFrom>
-                  <a:clrTo>
-                    <a:srgbClr val="FFFFFF">
-                      <a:alpha val="0"/>
-                    </a:srgbClr>
-                  </a:clrTo>
-                </a:clrChange>
-                <a:extLst>
-                  <a:ext uri="{28A0092B-C50C-407E-A947-70E740481C1C}">
-                    <a14:useLocalDpi xmlns:a14="http://schemas.microsoft.com/office/drawing/2010/main" val="0"/>
-                  </a:ext>
-                </a:extLst>
-              </a:blip>
-              <a:srcRect l="82573" t="42805" r="3982" b="44950"/>
-              <a:stretch/>
-            </p:blipFill>
-            <p:spPr>
-              <a:xfrm>
-                <a:off x="5383177" y="3677088"/>
-                <a:ext cx="1313006" cy="914416"/>
-              </a:xfrm>
-              <a:prstGeom prst="rect">
-                <a:avLst/>
-              </a:prstGeom>
-            </p:spPr>
-          </p:pic>
-          <p:pic>
-            <p:nvPicPr>
-              <p:cNvPr id="11" name="Picture 10" descr="A screenshot of a graph&#10;&#10;Description automatically generated">
-                <a:extLst>
-                  <a:ext uri="{FF2B5EF4-FFF2-40B4-BE49-F238E27FC236}">
-                    <a16:creationId xmlns:a16="http://schemas.microsoft.com/office/drawing/2014/main" id="{B1F70AF6-1CE2-21F9-F5A5-F2CAEC8E787D}"/>
-                  </a:ext>
-                </a:extLst>
-              </p:cNvPr>
-              <p:cNvPicPr>
-                <a:picLocks noChangeAspect="1"/>
-              </p:cNvPicPr>
-              <p:nvPr/>
-            </p:nvPicPr>
-            <p:blipFill rotWithShape="1">
-              <a:blip r:embed="rId5">
-                <a:clrChange>
-                  <a:clrFrom>
-                    <a:srgbClr val="FFFFFF"/>
-                  </a:clrFrom>
-                  <a:clrTo>
-                    <a:srgbClr val="FFFFFF">
-                      <a:alpha val="0"/>
-                    </a:srgbClr>
-                  </a:clrTo>
-                </a:clrChange>
-                <a:extLst>
-                  <a:ext uri="{28A0092B-C50C-407E-A947-70E740481C1C}">
-                    <a14:useLocalDpi xmlns:a14="http://schemas.microsoft.com/office/drawing/2010/main" val="0"/>
-                  </a:ext>
-                </a:extLst>
-              </a:blip>
-              <a:srcRect l="82293" t="26532" r="7023" b="64677"/>
-              <a:stretch/>
-            </p:blipFill>
-            <p:spPr>
-              <a:xfrm>
-                <a:off x="724792" y="3917316"/>
-                <a:ext cx="1071474" cy="674188"/>
-              </a:xfrm>
-              <a:prstGeom prst="rect">
-                <a:avLst/>
-              </a:prstGeom>
-            </p:spPr>
-          </p:pic>
+            <p:txBody>
+              <a:bodyPr wrap="square" rtlCol="0">
+                <a:spAutoFit/>
+              </a:bodyPr>
+              <a:lstStyle/>
+              <a:p>
+                <a:r>
+                  <a:rPr lang="en-US" sz="1100" dirty="0">
+                    <a:latin typeface="Times New Roman" panose="02020603050405020304" pitchFamily="18" charset="0"/>
+                    <a:cs typeface="Times New Roman" panose="02020603050405020304" pitchFamily="18" charset="0"/>
+                  </a:rPr>
+                  <a:t>1991</a:t>
+                </a:r>
+              </a:p>
+            </p:txBody>
+          </p:sp>
         </p:grpSp>
         <p:sp>
           <p:nvSpPr>
-            <p:cNvPr id="2" name="TextBox 1">
+            <p:cNvPr id="6" name="TextBox 5">
               <a:extLst>
                 <a:ext uri="{FF2B5EF4-FFF2-40B4-BE49-F238E27FC236}">
-                  <a16:creationId xmlns:a16="http://schemas.microsoft.com/office/drawing/2014/main" id="{BC3ECBC2-BE28-5864-488D-AD88A33C462D}"/>
+                  <a16:creationId xmlns:a16="http://schemas.microsoft.com/office/drawing/2014/main" id="{8A73492D-46E4-49BF-B4BE-CACC001DFB75}"/>
                 </a:ext>
               </a:extLst>
             </p:cNvPr>
@@ -3572,7 +3718,7 @@
           </p:nvSpPr>
           <p:spPr>
             <a:xfrm>
-              <a:off x="1461388" y="4030137"/>
+              <a:off x="6821797" y="4547920"/>
               <a:ext cx="609600" cy="261610"/>
             </a:xfrm>
             <a:prstGeom prst="rect">
@@ -3592,44 +3738,6 @@
                   <a:cs typeface="Times New Roman" panose="02020603050405020304" pitchFamily="18" charset="0"/>
                 </a:rPr>
                 <a:t>2011</a:t>
-              </a:r>
-            </a:p>
-          </p:txBody>
-        </p:sp>
-        <p:sp>
-          <p:nvSpPr>
-            <p:cNvPr id="3" name="TextBox 2">
-              <a:extLst>
-                <a:ext uri="{FF2B5EF4-FFF2-40B4-BE49-F238E27FC236}">
-                  <a16:creationId xmlns:a16="http://schemas.microsoft.com/office/drawing/2014/main" id="{D2C9EABC-748E-C26C-6D21-6EDA2722F903}"/>
-                </a:ext>
-              </a:extLst>
-            </p:cNvPr>
-            <p:cNvSpPr txBox="1"/>
-            <p:nvPr/>
-          </p:nvSpPr>
-          <p:spPr>
-            <a:xfrm>
-              <a:off x="1461388" y="4329894"/>
-              <a:ext cx="609600" cy="261610"/>
-            </a:xfrm>
-            <a:prstGeom prst="rect">
-              <a:avLst/>
-            </a:prstGeom>
-            <a:noFill/>
-          </p:spPr>
-          <p:txBody>
-            <a:bodyPr wrap="square" rtlCol="0">
-              <a:spAutoFit/>
-            </a:bodyPr>
-            <a:lstStyle/>
-            <a:p>
-              <a:r>
-                <a:rPr lang="en-US" sz="1100" dirty="0">
-                  <a:latin typeface="Times New Roman" panose="02020603050405020304" pitchFamily="18" charset="0"/>
-                  <a:cs typeface="Times New Roman" panose="02020603050405020304" pitchFamily="18" charset="0"/>
-                </a:rPr>
-                <a:t>1991</a:t>
               </a:r>
             </a:p>
           </p:txBody>
